--- a/Week 5/05 - 1 - FunctionalAPI.pptx
+++ b/Week 5/05 - 1 - FunctionalAPI.pptx
@@ -214,7 +214,7 @@
           <a:p>
             <a:fld id="{EFA659FB-0419-C24D-A6C0-9A1B475B1E65}" type="datetimeFigureOut">
               <a:rPr lang="en-US" smtClean="0"/>
-              <a:t>2/5/22</a:t>
+              <a:t>2/14/22</a:t>
             </a:fld>
             <a:endParaRPr lang="en-US"/>
           </a:p>
@@ -2022,7 +2022,7 @@
           <a:p>
             <a:fld id="{87C2F797-6DFD-C74C-BA29-8B3CE1E6C725}" type="datetime1">
               <a:rPr lang="en-US" smtClean="0"/>
-              <a:t>2/5/22</a:t>
+              <a:t>2/14/22</a:t>
             </a:fld>
             <a:endParaRPr lang="en-US"/>
           </a:p>
@@ -2230,7 +2230,7 @@
           <a:p>
             <a:fld id="{64FE1960-B74B-0949-9DEF-CBE661CB7825}" type="datetime1">
               <a:rPr lang="en-US" smtClean="0"/>
-              <a:t>2/5/22</a:t>
+              <a:t>2/14/22</a:t>
             </a:fld>
             <a:endParaRPr lang="en-US"/>
           </a:p>
@@ -2428,7 +2428,7 @@
           <a:p>
             <a:fld id="{91871F70-41C7-F44D-9284-EB301E270CC7}" type="datetime1">
               <a:rPr lang="en-US" smtClean="0"/>
-              <a:t>2/5/22</a:t>
+              <a:t>2/14/22</a:t>
             </a:fld>
             <a:endParaRPr lang="en-US"/>
           </a:p>
@@ -2741,7 +2741,7 @@
           <a:p>
             <a:fld id="{E33F645A-02C2-AF41-9FDB-389E34E8B990}" type="datetime1">
               <a:rPr lang="en-US" smtClean="0"/>
-              <a:t>2/5/22</a:t>
+              <a:t>2/14/22</a:t>
             </a:fld>
             <a:endParaRPr lang="en-US"/>
           </a:p>
@@ -3006,7 +3006,7 @@
           <a:p>
             <a:fld id="{AB873A4C-DE8A-2F49-8ABE-1735EE515528}" type="datetime1">
               <a:rPr lang="en-US" smtClean="0"/>
-              <a:t>2/5/22</a:t>
+              <a:t>2/14/22</a:t>
             </a:fld>
             <a:endParaRPr lang="en-US"/>
           </a:p>
@@ -3418,7 +3418,7 @@
           <a:p>
             <a:fld id="{7DA13BA6-E929-9643-AF0C-C0B90BC6EAC0}" type="datetime1">
               <a:rPr lang="en-US" smtClean="0"/>
-              <a:t>2/5/22</a:t>
+              <a:t>2/14/22</a:t>
             </a:fld>
             <a:endParaRPr lang="en-US"/>
           </a:p>
@@ -3559,7 +3559,7 @@
           <a:p>
             <a:fld id="{1062371E-C5A0-7448-8CF8-A797D242C61D}" type="datetime1">
               <a:rPr lang="en-US" smtClean="0"/>
-              <a:t>2/5/22</a:t>
+              <a:t>2/14/22</a:t>
             </a:fld>
             <a:endParaRPr lang="en-US"/>
           </a:p>
@@ -3672,7 +3672,7 @@
           <a:p>
             <a:fld id="{33C9D714-59A4-C649-915B-E960BF4AC878}" type="datetime1">
               <a:rPr lang="en-US" smtClean="0"/>
-              <a:t>2/5/22</a:t>
+              <a:t>2/14/22</a:t>
             </a:fld>
             <a:endParaRPr lang="en-US"/>
           </a:p>
@@ -3983,7 +3983,7 @@
           <a:p>
             <a:fld id="{3951679C-160D-1F41-A3C3-54837256FB50}" type="datetime1">
               <a:rPr lang="en-US" smtClean="0"/>
-              <a:t>2/5/22</a:t>
+              <a:t>2/14/22</a:t>
             </a:fld>
             <a:endParaRPr lang="en-US"/>
           </a:p>
@@ -4271,7 +4271,7 @@
           <a:p>
             <a:fld id="{296B5A14-0E14-114B-AA5F-546D4BF7B2DC}" type="datetime1">
               <a:rPr lang="en-US" smtClean="0"/>
-              <a:t>2/5/22</a:t>
+              <a:t>2/14/22</a:t>
             </a:fld>
             <a:endParaRPr lang="en-US"/>
           </a:p>
@@ -4512,7 +4512,7 @@
           <a:p>
             <a:fld id="{1A75E9CF-B19A-3C42-99C1-DBC4AFBA0816}" type="datetime1">
               <a:rPr lang="en-US" smtClean="0"/>
-              <a:t>2/5/22</a:t>
+              <a:t>2/14/22</a:t>
             </a:fld>
             <a:endParaRPr lang="en-US"/>
           </a:p>
@@ -5380,16 +5380,8 @@
               <a:buChar char="•"/>
             </a:pPr>
             <a:r>
-              <a:rPr lang="en-US" dirty="0">
-                <a:solidFill>
-                  <a:srgbClr val="7030A0"/>
-                </a:solidFill>
-              </a:rPr>
-              <a:t>We also need a list of loss functions and metrics, one of each for each output label</a:t>
-            </a:r>
-            <a:r>
               <a:rPr lang="en-US" dirty="0"/>
-              <a:t>. </a:t>
+              <a:t>We can also provide a list of loss functions and metrics, one of each for each output label. </a:t>
             </a:r>
           </a:p>
         </p:txBody>
@@ -5500,58 +5492,6 @@
           <a:ln w="38100">
             <a:solidFill>
               <a:schemeClr val="accent5"/>
-            </a:solidFill>
-          </a:ln>
-        </p:spPr>
-        <p:style>
-          <a:lnRef idx="2">
-            <a:schemeClr val="accent1">
-              <a:shade val="50000"/>
-            </a:schemeClr>
-          </a:lnRef>
-          <a:fillRef idx="1">
-            <a:schemeClr val="accent1"/>
-          </a:fillRef>
-          <a:effectRef idx="0">
-            <a:schemeClr val="accent1"/>
-          </a:effectRef>
-          <a:fontRef idx="minor">
-            <a:schemeClr val="lt1"/>
-          </a:fontRef>
-        </p:style>
-        <p:txBody>
-          <a:bodyPr rtlCol="0" anchor="ctr"/>
-          <a:lstStyle/>
-          <a:p>
-            <a:pPr algn="ctr"/>
-            <a:endParaRPr lang="en-US"/>
-          </a:p>
-        </p:txBody>
-      </p:sp>
-      <p:sp>
-        <p:nvSpPr>
-          <p:cNvPr id="8" name="Oval 7">
-            <a:extLst>
-              <a:ext uri="{FF2B5EF4-FFF2-40B4-BE49-F238E27FC236}">
-                <a16:creationId xmlns:a16="http://schemas.microsoft.com/office/drawing/2014/main" id="{6DC0C6D7-B0E8-284D-8AC2-5B06F928E7EC}"/>
-              </a:ext>
-            </a:extLst>
-          </p:cNvPr>
-          <p:cNvSpPr/>
-          <p:nvPr/>
-        </p:nvSpPr>
-        <p:spPr>
-          <a:xfrm>
-            <a:off x="3363633" y="4961327"/>
-            <a:ext cx="5482416" cy="571994"/>
-          </a:xfrm>
-          <a:prstGeom prst="ellipse">
-            <a:avLst/>
-          </a:prstGeom>
-          <a:noFill/>
-          <a:ln w="38100">
-            <a:solidFill>
-              <a:srgbClr val="7030A0"/>
             </a:solidFill>
           </a:ln>
         </p:spPr>
@@ -7122,7 +7062,7 @@
         <p:spPr>
           <a:xfrm>
             <a:off x="890337" y="1940249"/>
-            <a:ext cx="10016362" cy="1785104"/>
+            <a:ext cx="10016362" cy="1508105"/>
           </a:xfrm>
           <a:prstGeom prst="rect">
             <a:avLst/>
@@ -7139,7 +7079,7 @@
               <a:rPr lang="en-US" sz="2000" b="1" dirty="0">
                 <a:latin typeface="Quicksand" pitchFamily="2" charset="77"/>
               </a:rPr>
-              <a:t>Functional vs. Sequential API</a:t>
+              <a:t>Functional vs. Sequential API (vs. Subclassing)</a:t>
             </a:r>
           </a:p>
           <a:p>
@@ -7167,15 +7107,7 @@
             </a:pPr>
             <a:r>
               <a:rPr lang="en-US" dirty="0"/>
-              <a:t>Using built-in </a:t>
-            </a:r>
-            <a:r>
-              <a:rPr lang="en-US" dirty="0" err="1"/>
-              <a:t>Keras</a:t>
-            </a:r>
-            <a:r>
-              <a:rPr lang="en-US" dirty="0"/>
-              <a:t> training and evaluation loops</a:t>
+              <a:t>Custom Loss functions</a:t>
             </a:r>
           </a:p>
           <a:p>
@@ -7189,11 +7121,11 @@
             </a:r>
             <a:r>
               <a:rPr lang="en-US" dirty="0" err="1"/>
-              <a:t>Keras</a:t>
+              <a:t>TensorBoard</a:t>
             </a:r>
             <a:r>
               <a:rPr lang="en-US" dirty="0"/>
-              <a:t> callbacks to customize training</a:t>
+              <a:t> to monitor training and evaluation metrics</a:t>
             </a:r>
           </a:p>
           <a:p>
@@ -7203,29 +7135,56 @@
             </a:pPr>
             <a:r>
               <a:rPr lang="en-US" dirty="0"/>
-              <a:t>Using </a:t>
-            </a:r>
-            <a:r>
-              <a:rPr lang="en-US" dirty="0" err="1"/>
-              <a:t>TensorBoard</a:t>
-            </a:r>
-            <a:r>
-              <a:rPr lang="en-US" dirty="0"/>
-              <a:t> to monitor training and evaluation metrics</a:t>
-            </a:r>
-          </a:p>
-          <a:p>
-            <a:pPr marL="285750" indent="-285750">
-              <a:buFont typeface="Arial" panose="020B0604020202020204" pitchFamily="34" charset="0"/>
-              <a:buChar char="•"/>
-            </a:pPr>
-            <a:r>
-              <a:rPr lang="en-US" dirty="0"/>
               <a:t>Writing training and evaluation loops from scratch</a:t>
             </a:r>
           </a:p>
         </p:txBody>
       </p:sp>
+      <p:pic>
+        <p:nvPicPr>
+          <p:cNvPr id="1026" name="Picture 2">
+            <a:extLst>
+              <a:ext uri="{FF2B5EF4-FFF2-40B4-BE49-F238E27FC236}">
+                <a16:creationId xmlns:a16="http://schemas.microsoft.com/office/drawing/2014/main" id="{9F238DCB-39E2-2D48-844E-7C0E42614633}"/>
+              </a:ext>
+            </a:extLst>
+          </p:cNvPr>
+          <p:cNvPicPr>
+            <a:picLocks noChangeAspect="1" noChangeArrowheads="1"/>
+          </p:cNvPicPr>
+          <p:nvPr/>
+        </p:nvPicPr>
+        <p:blipFill rotWithShape="1">
+          <a:blip r:embed="rId2">
+            <a:extLst>
+              <a:ext uri="{28A0092B-C50C-407E-A947-70E740481C1C}">
+                <a14:useLocalDpi xmlns:a14="http://schemas.microsoft.com/office/drawing/2010/main" val="0"/>
+              </a:ext>
+            </a:extLst>
+          </a:blip>
+          <a:srcRect r="45"/>
+          <a:stretch/>
+        </p:blipFill>
+        <p:spPr bwMode="auto">
+          <a:xfrm>
+            <a:off x="2934658" y="3878335"/>
+            <a:ext cx="6322681" cy="2484914"/>
+          </a:xfrm>
+          <a:prstGeom prst="rect">
+            <a:avLst/>
+          </a:prstGeom>
+          <a:noFill/>
+          <a:extLst>
+            <a:ext uri="{909E8E84-426E-40DD-AFC4-6F175D3DCCD1}">
+              <a14:hiddenFill xmlns:a14="http://schemas.microsoft.com/office/drawing/2010/main">
+                <a:solidFill>
+                  <a:srgbClr val="FFFFFF"/>
+                </a:solidFill>
+              </a14:hiddenFill>
+            </a:ext>
+          </a:extLst>
+        </p:spPr>
+      </p:pic>
     </p:spTree>
     <p:extLst>
       <p:ext uri="{BB962C8B-B14F-4D97-AF65-F5344CB8AC3E}">
@@ -8245,7 +8204,7 @@
             </a:pPr>
             <a:r>
               <a:rPr lang="en-US" dirty="0"/>
-              <a:t>This because useful for multi-modal data, or for introducing feedback loops, etc. into the network.</a:t>
+              <a:t>This is useful for multi-modal data, residual links, or feedback loops, etc.</a:t>
             </a:r>
           </a:p>
         </p:txBody>
